--- a/Presentasi/Draft Presentasi Reza Andriady - 44976.pptx
+++ b/Presentasi/Draft Presentasi Reza Andriady - 44976.pptx
@@ -12027,7 +12027,12 @@
             <p:ph type="title"/>
           </p:nvPr>
         </p:nvSpPr>
-        <p:spPr/>
+        <p:spPr>
+          <a:xfrm>
+            <a:off x="838200" y="365126"/>
+            <a:ext cx="4343400" cy="602284"/>
+          </a:xfrm>
+        </p:spPr>
         <p:txBody>
           <a:bodyPr>
             <a:normAutofit/>
@@ -12254,8 +12259,8 @@
           </a:p>
         </p:txBody>
       </p:sp>
-      <mc:AlternateContent xmlns:mc="http://schemas.openxmlformats.org/markup-compatibility/2006" xmlns:a14="http://schemas.microsoft.com/office/drawing/2010/main">
-        <mc:Choice Requires="a14">
+      <mc:AlternateContent xmlns:mc="http://schemas.openxmlformats.org/markup-compatibility/2006">
+        <mc:Choice xmlns:a14="http://schemas.microsoft.com/office/drawing/2010/main" Requires="a14">
           <p:sp>
             <p:nvSpPr>
               <p:cNvPr id="7" name="TextBox 6">
@@ -12270,7 +12275,7 @@
             </p:nvSpPr>
             <p:spPr>
               <a:xfrm>
-                <a:off x="8223250" y="1931021"/>
+                <a:off x="8013700" y="1209339"/>
                 <a:ext cx="2705100" cy="769506"/>
               </a:xfrm>
               <a:prstGeom prst="rect">
@@ -12551,7 +12556,7 @@
             </p:txBody>
           </p:sp>
         </mc:Choice>
-        <mc:Fallback xmlns="">
+        <mc:Fallback>
           <p:sp>
             <p:nvSpPr>
               <p:cNvPr id="7" name="TextBox 6">
@@ -12568,7 +12573,7 @@
             </p:nvSpPr>
             <p:spPr>
               <a:xfrm>
-                <a:off x="8223250" y="1931021"/>
+                <a:off x="8013700" y="1209339"/>
                 <a:ext cx="2705100" cy="769506"/>
               </a:xfrm>
               <a:prstGeom prst="rect">
@@ -12596,8 +12601,8 @@
           </p:sp>
         </mc:Fallback>
       </mc:AlternateContent>
-      <mc:AlternateContent xmlns:mc="http://schemas.openxmlformats.org/markup-compatibility/2006" xmlns:a14="http://schemas.microsoft.com/office/drawing/2010/main">
-        <mc:Choice Requires="a14">
+      <mc:AlternateContent xmlns:mc="http://schemas.openxmlformats.org/markup-compatibility/2006">
+        <mc:Choice xmlns:a14="http://schemas.microsoft.com/office/drawing/2010/main" Requires="a14">
           <p:sp>
             <p:nvSpPr>
               <p:cNvPr id="9" name="TextBox 8">
@@ -12612,7 +12617,7 @@
             </p:nvSpPr>
             <p:spPr>
               <a:xfrm>
-                <a:off x="8293100" y="2796198"/>
+                <a:off x="8178800" y="2437520"/>
                 <a:ext cx="2565400" cy="369332"/>
               </a:xfrm>
               <a:prstGeom prst="rect">
@@ -12801,7 +12806,7 @@
             </p:txBody>
           </p:sp>
         </mc:Choice>
-        <mc:Fallback xmlns="">
+        <mc:Fallback>
           <p:sp>
             <p:nvSpPr>
               <p:cNvPr id="9" name="TextBox 8">
@@ -12818,7 +12823,7 @@
             </p:nvSpPr>
             <p:spPr>
               <a:xfrm>
-                <a:off x="8293100" y="2796198"/>
+                <a:off x="8178800" y="2437520"/>
                 <a:ext cx="2565400" cy="369332"/>
               </a:xfrm>
               <a:prstGeom prst="rect">
@@ -12827,7 +12832,7 @@
               <a:blipFill>
                 <a:blip r:embed="rId3"/>
                 <a:stretch>
-                  <a:fillRect t="-121667" r="-19952" b="-188333"/>
+                  <a:fillRect t="-121667" r="-19715" b="-188333"/>
                 </a:stretch>
               </a:blipFill>
             </p:spPr>
@@ -12846,8 +12851,8 @@
           </p:sp>
         </mc:Fallback>
       </mc:AlternateContent>
-      <mc:AlternateContent xmlns:mc="http://schemas.openxmlformats.org/markup-compatibility/2006" xmlns:a14="http://schemas.microsoft.com/office/drawing/2010/main">
-        <mc:Choice Requires="a14">
+      <mc:AlternateContent xmlns:mc="http://schemas.openxmlformats.org/markup-compatibility/2006">
+        <mc:Choice xmlns:a14="http://schemas.microsoft.com/office/drawing/2010/main" Requires="a14">
           <p:sp>
             <p:nvSpPr>
               <p:cNvPr id="11" name="TextBox 10">
@@ -12862,7 +12867,7 @@
             </p:nvSpPr>
             <p:spPr>
               <a:xfrm>
-                <a:off x="8235950" y="1374964"/>
+                <a:off x="8013700" y="761712"/>
                 <a:ext cx="2730500" cy="411395"/>
               </a:xfrm>
               <a:prstGeom prst="rect">
@@ -13100,7 +13105,7 @@
             </p:txBody>
           </p:sp>
         </mc:Choice>
-        <mc:Fallback xmlns="">
+        <mc:Fallback>
           <p:sp>
             <p:nvSpPr>
               <p:cNvPr id="11" name="TextBox 10">
@@ -13117,7 +13122,7 @@
             </p:nvSpPr>
             <p:spPr>
               <a:xfrm>
-                <a:off x="8235950" y="1374964"/>
+                <a:off x="8013700" y="761712"/>
                 <a:ext cx="2730500" cy="411395"/>
               </a:xfrm>
               <a:prstGeom prst="rect">
@@ -13126,7 +13131,7 @@
               <a:blipFill>
                 <a:blip r:embed="rId4"/>
                 <a:stretch>
-                  <a:fillRect t="-153731" r="-21205" b="-228358"/>
+                  <a:fillRect t="-153731" r="-20982" b="-228358"/>
                 </a:stretch>
               </a:blipFill>
             </p:spPr>
@@ -13145,8 +13150,8 @@
           </p:sp>
         </mc:Fallback>
       </mc:AlternateContent>
-      <mc:AlternateContent xmlns:mc="http://schemas.openxmlformats.org/markup-compatibility/2006" xmlns:a14="http://schemas.microsoft.com/office/drawing/2010/main">
-        <mc:Choice Requires="a14">
+      <mc:AlternateContent xmlns:mc="http://schemas.openxmlformats.org/markup-compatibility/2006">
+        <mc:Choice xmlns:a14="http://schemas.microsoft.com/office/drawing/2010/main" Requires="a14">
           <p:sp>
             <p:nvSpPr>
               <p:cNvPr id="14" name="TextBox 13">
@@ -13161,7 +13166,7 @@
             </p:nvSpPr>
             <p:spPr>
               <a:xfrm>
-                <a:off x="8535716" y="3235801"/>
+                <a:off x="8313466" y="2040822"/>
                 <a:ext cx="2130968" cy="276999"/>
               </a:xfrm>
               <a:prstGeom prst="rect">
@@ -13309,7 +13314,7 @@
             </p:txBody>
           </p:sp>
         </mc:Choice>
-        <mc:Fallback xmlns="">
+        <mc:Fallback>
           <p:sp>
             <p:nvSpPr>
               <p:cNvPr id="14" name="TextBox 13">
@@ -13326,7 +13331,7 @@
             </p:nvSpPr>
             <p:spPr>
               <a:xfrm>
-                <a:off x="8535716" y="3235801"/>
+                <a:off x="8313466" y="2040822"/>
                 <a:ext cx="2130968" cy="276999"/>
               </a:xfrm>
               <a:prstGeom prst="rect">
@@ -13335,7 +13340,7 @@
               <a:blipFill>
                 <a:blip r:embed="rId5"/>
                 <a:stretch>
-                  <a:fillRect l="-1143" t="-4444" r="-571" b="-35556"/>
+                  <a:fillRect l="-1146" t="-4444" r="-573" b="-35556"/>
                 </a:stretch>
               </a:blipFill>
             </p:spPr>
@@ -13379,7 +13384,7 @@
         </p:blipFill>
         <p:spPr bwMode="auto">
           <a:xfrm>
-            <a:off x="7721600" y="3692471"/>
+            <a:off x="7797800" y="3295884"/>
             <a:ext cx="3759200" cy="2800404"/>
           </a:xfrm>
           <a:prstGeom prst="rect">
@@ -15118,7 +15123,7 @@
           <a:lstStyle/>
           <a:p>
             <a:r>
-              <a:rPr lang="en-US" sz="2400" b="1">
+              <a:rPr lang="en-US" sz="2400" b="1" dirty="0" err="1">
                 <a:solidFill>
                   <a:schemeClr val="accent1">
                     <a:lumMod val="75000"/>
@@ -15127,7 +15132,31 @@
                 <a:latin typeface="Segoe UI Semilight" panose="020B0402040204020203" pitchFamily="34" charset="0"/>
                 <a:cs typeface="Segoe UI Semilight" panose="020B0402040204020203" pitchFamily="34" charset="0"/>
               </a:rPr>
-              <a:t>Bahan Penelitian</a:t>
+              <a:t>Bahan</a:t>
+            </a:r>
+            <a:r>
+              <a:rPr lang="en-US" sz="2400" b="1" dirty="0">
+                <a:solidFill>
+                  <a:schemeClr val="accent1">
+                    <a:lumMod val="75000"/>
+                  </a:schemeClr>
+                </a:solidFill>
+                <a:latin typeface="Segoe UI Semilight" panose="020B0402040204020203" pitchFamily="34" charset="0"/>
+                <a:cs typeface="Segoe UI Semilight" panose="020B0402040204020203" pitchFamily="34" charset="0"/>
+              </a:rPr>
+              <a:t> </a:t>
+            </a:r>
+            <a:r>
+              <a:rPr lang="en-US" sz="2400" b="1" dirty="0" err="1">
+                <a:solidFill>
+                  <a:schemeClr val="accent1">
+                    <a:lumMod val="75000"/>
+                  </a:schemeClr>
+                </a:solidFill>
+                <a:latin typeface="Segoe UI Semilight" panose="020B0402040204020203" pitchFamily="34" charset="0"/>
+                <a:cs typeface="Segoe UI Semilight" panose="020B0402040204020203" pitchFamily="34" charset="0"/>
+              </a:rPr>
+              <a:t>Penelitian</a:t>
             </a:r>
             <a:endParaRPr lang="en-ID" sz="2400" b="1" dirty="0">
               <a:solidFill>
@@ -15461,7 +15490,7 @@
                 <a:ea typeface="Calibri" panose="020F0502020204030204" pitchFamily="34" charset="0"/>
                 <a:cs typeface="Segoe UI Semilight" panose="020B0402040204020203" pitchFamily="34" charset="0"/>
               </a:rPr>
-              <a:t> [20]</a:t>
+              <a:t> [20].</a:t>
             </a:r>
             <a:endParaRPr lang="en-ID" sz="1800" dirty="0">
               <a:solidFill>
@@ -15994,8 +16023,8 @@
         </p:nvGrpSpPr>
         <p:grpSpPr>
           <a:xfrm>
-            <a:off x="339694" y="889337"/>
-            <a:ext cx="6096000" cy="5069940"/>
+            <a:off x="339694" y="1099929"/>
+            <a:ext cx="5897804" cy="4859347"/>
             <a:chOff x="339694" y="889337"/>
             <a:chExt cx="6096000" cy="5069940"/>
           </a:xfrm>
@@ -16166,6 +16195,52 @@
           </p:txBody>
         </p:sp>
       </p:grpSp>
+      <p:sp>
+        <p:nvSpPr>
+          <p:cNvPr id="10" name="TextBox 9">
+            <a:extLst>
+              <a:ext uri="{FF2B5EF4-FFF2-40B4-BE49-F238E27FC236}">
+                <a16:creationId xmlns:a16="http://schemas.microsoft.com/office/drawing/2014/main" id="{241A098C-528C-48BC-95D2-9F9043533137}"/>
+              </a:ext>
+            </a:extLst>
+          </p:cNvPr>
+          <p:cNvSpPr txBox="1"/>
+          <p:nvPr/>
+        </p:nvSpPr>
+        <p:spPr>
+          <a:xfrm>
+            <a:off x="4074352" y="365126"/>
+            <a:ext cx="2361342" cy="369332"/>
+          </a:xfrm>
+          <a:prstGeom prst="rect">
+            <a:avLst/>
+          </a:prstGeom>
+          <a:noFill/>
+          <a:ln w="19050">
+            <a:noFill/>
+            <a:prstDash val="dash"/>
+          </a:ln>
+        </p:spPr>
+        <p:txBody>
+          <a:bodyPr wrap="square">
+            <a:spAutoFit/>
+          </a:bodyPr>
+          <a:lstStyle/>
+          <a:p>
+            <a:pPr algn="ctr"/>
+            <a:r>
+              <a:rPr lang="en-US" dirty="0">
+                <a:solidFill>
+                  <a:srgbClr val="014D71"/>
+                </a:solidFill>
+                <a:latin typeface="Segoe UI Semilight" panose="020B0402040204020203" pitchFamily="34" charset="0"/>
+                <a:cs typeface="Segoe UI Semilight" panose="020B0402040204020203" pitchFamily="34" charset="0"/>
+              </a:rPr>
+              <a:t>https://sacac.org.za/</a:t>
+            </a:r>
+          </a:p>
+        </p:txBody>
+      </p:sp>
     </p:spTree>
     <p:extLst>
       <p:ext uri="{BB962C8B-B14F-4D97-AF65-F5344CB8AC3E}">
@@ -16282,7 +16357,7 @@
         <p:spPr>
           <a:xfrm>
             <a:off x="6951487" y="1505743"/>
-            <a:ext cx="5081106" cy="3970318"/>
+            <a:ext cx="5081106" cy="2862322"/>
           </a:xfrm>
           <a:prstGeom prst="rect">
             <a:avLst/>
@@ -16338,358 +16413,15 @@
                 <a:ea typeface="Calibri" panose="020F0502020204030204" pitchFamily="34" charset="0"/>
                 <a:cs typeface="Segoe UI Semilight" panose="020B0402040204020203" pitchFamily="34" charset="0"/>
               </a:rPr>
-              <a:t> oleh Brooks dan </a:t>
-            </a:r>
-            <a:r>
-              <a:rPr lang="en-US" sz="1800" dirty="0" err="1">
-                <a:effectLst/>
-                <a:latin typeface="Segoe UI Semilight" panose="020B0402040204020203" pitchFamily="34" charset="0"/>
-                <a:ea typeface="Calibri" panose="020F0502020204030204" pitchFamily="34" charset="0"/>
-                <a:cs typeface="Segoe UI Semilight" panose="020B0402040204020203" pitchFamily="34" charset="0"/>
-              </a:rPr>
-              <a:t>bertujuan</a:t>
-            </a:r>
-            <a:r>
-              <a:rPr lang="en-US" sz="1800" dirty="0">
-                <a:effectLst/>
-                <a:latin typeface="Segoe UI Semilight" panose="020B0402040204020203" pitchFamily="34" charset="0"/>
-                <a:ea typeface="Calibri" panose="020F0502020204030204" pitchFamily="34" charset="0"/>
-                <a:cs typeface="Segoe UI Semilight" panose="020B0402040204020203" pitchFamily="34" charset="0"/>
-              </a:rPr>
-              <a:t> </a:t>
-            </a:r>
-            <a:r>
-              <a:rPr lang="en-US" sz="1800" dirty="0" err="1">
-                <a:effectLst/>
-                <a:latin typeface="Segoe UI Semilight" panose="020B0402040204020203" pitchFamily="34" charset="0"/>
-                <a:ea typeface="Calibri" panose="020F0502020204030204" pitchFamily="34" charset="0"/>
-                <a:cs typeface="Segoe UI Semilight" panose="020B0402040204020203" pitchFamily="34" charset="0"/>
-              </a:rPr>
-              <a:t>untuk</a:t>
-            </a:r>
-            <a:r>
-              <a:rPr lang="en-US" sz="1800" dirty="0">
-                <a:effectLst/>
-                <a:latin typeface="Segoe UI Semilight" panose="020B0402040204020203" pitchFamily="34" charset="0"/>
-                <a:ea typeface="Calibri" panose="020F0502020204030204" pitchFamily="34" charset="0"/>
-                <a:cs typeface="Segoe UI Semilight" panose="020B0402040204020203" pitchFamily="34" charset="0"/>
-              </a:rPr>
-              <a:t> </a:t>
-            </a:r>
-            <a:r>
-              <a:rPr lang="en-US" sz="1800" dirty="0" err="1">
-                <a:effectLst/>
-                <a:latin typeface="Segoe UI Semilight" panose="020B0402040204020203" pitchFamily="34" charset="0"/>
-                <a:ea typeface="Calibri" panose="020F0502020204030204" pitchFamily="34" charset="0"/>
-                <a:cs typeface="Segoe UI Semilight" panose="020B0402040204020203" pitchFamily="34" charset="0"/>
-              </a:rPr>
-              <a:t>menguji</a:t>
-            </a:r>
-            <a:r>
-              <a:rPr lang="en-US" sz="1800" dirty="0">
-                <a:effectLst/>
-                <a:latin typeface="Segoe UI Semilight" panose="020B0402040204020203" pitchFamily="34" charset="0"/>
-                <a:ea typeface="Calibri" panose="020F0502020204030204" pitchFamily="34" charset="0"/>
-                <a:cs typeface="Segoe UI Semilight" panose="020B0402040204020203" pitchFamily="34" charset="0"/>
-              </a:rPr>
-              <a:t> </a:t>
-            </a:r>
-            <a:r>
-              <a:rPr lang="en-US" sz="1800" dirty="0" err="1">
-                <a:effectLst/>
-                <a:latin typeface="Segoe UI Semilight" panose="020B0402040204020203" pitchFamily="34" charset="0"/>
-                <a:ea typeface="Calibri" panose="020F0502020204030204" pitchFamily="34" charset="0"/>
-                <a:cs typeface="Segoe UI Semilight" panose="020B0402040204020203" pitchFamily="34" charset="0"/>
-              </a:rPr>
-              <a:t>performa</a:t>
-            </a:r>
-            <a:r>
-              <a:rPr lang="en-US" sz="1800" dirty="0">
-                <a:effectLst/>
-                <a:latin typeface="Segoe UI Semilight" panose="020B0402040204020203" pitchFamily="34" charset="0"/>
-                <a:ea typeface="Calibri" panose="020F0502020204030204" pitchFamily="34" charset="0"/>
-                <a:cs typeface="Segoe UI Semilight" panose="020B0402040204020203" pitchFamily="34" charset="0"/>
-              </a:rPr>
-              <a:t> </a:t>
-            </a:r>
-            <a:r>
-              <a:rPr lang="en-US" sz="1800" dirty="0" err="1">
-                <a:effectLst/>
-                <a:latin typeface="Segoe UI Semilight" panose="020B0402040204020203" pitchFamily="34" charset="0"/>
-                <a:ea typeface="Calibri" panose="020F0502020204030204" pitchFamily="34" charset="0"/>
-                <a:cs typeface="Segoe UI Semilight" panose="020B0402040204020203" pitchFamily="34" charset="0"/>
-              </a:rPr>
-              <a:t>metode</a:t>
-            </a:r>
-            <a:r>
-              <a:rPr lang="en-US" sz="1800" dirty="0">
-                <a:effectLst/>
-                <a:latin typeface="Segoe UI Semilight" panose="020B0402040204020203" pitchFamily="34" charset="0"/>
-                <a:ea typeface="Calibri" panose="020F0502020204030204" pitchFamily="34" charset="0"/>
-                <a:cs typeface="Segoe UI Semilight" panose="020B0402040204020203" pitchFamily="34" charset="0"/>
-              </a:rPr>
-              <a:t> </a:t>
-            </a:r>
-            <a:r>
-              <a:rPr lang="en-US" sz="1800" i="1" dirty="0">
-                <a:effectLst/>
-                <a:latin typeface="Segoe UI Semilight" panose="020B0402040204020203" pitchFamily="34" charset="0"/>
-                <a:ea typeface="Calibri" panose="020F0502020204030204" pitchFamily="34" charset="0"/>
-                <a:cs typeface="Segoe UI Semilight" panose="020B0402040204020203" pitchFamily="34" charset="0"/>
-              </a:rPr>
-              <a:t>data-driven </a:t>
-            </a:r>
-            <a:r>
-              <a:rPr lang="en-US" sz="1800" dirty="0" err="1">
-                <a:effectLst/>
-                <a:latin typeface="Segoe UI Semilight" panose="020B0402040204020203" pitchFamily="34" charset="0"/>
-                <a:ea typeface="Calibri" panose="020F0502020204030204" pitchFamily="34" charset="0"/>
-                <a:cs typeface="Segoe UI Semilight" panose="020B0402040204020203" pitchFamily="34" charset="0"/>
-              </a:rPr>
-              <a:t>dari</a:t>
-            </a:r>
-            <a:r>
-              <a:rPr lang="en-US" sz="1800" dirty="0">
-                <a:effectLst/>
-                <a:latin typeface="Segoe UI Semilight" panose="020B0402040204020203" pitchFamily="34" charset="0"/>
-                <a:ea typeface="Calibri" panose="020F0502020204030204" pitchFamily="34" charset="0"/>
-                <a:cs typeface="Segoe UI Semilight" panose="020B0402040204020203" pitchFamily="34" charset="0"/>
-              </a:rPr>
-              <a:t> </a:t>
-            </a:r>
-            <a:r>
-              <a:rPr lang="en-US" sz="1800" dirty="0" err="1">
-                <a:effectLst/>
-                <a:latin typeface="Segoe UI Semilight" panose="020B0402040204020203" pitchFamily="34" charset="0"/>
-                <a:ea typeface="Calibri" panose="020F0502020204030204" pitchFamily="34" charset="0"/>
-                <a:cs typeface="Segoe UI Semilight" panose="020B0402040204020203" pitchFamily="34" charset="0"/>
-              </a:rPr>
-              <a:t>sebuah</a:t>
-            </a:r>
-            <a:r>
-              <a:rPr lang="en-US" sz="1800" dirty="0">
-                <a:effectLst/>
-                <a:latin typeface="Segoe UI Semilight" panose="020B0402040204020203" pitchFamily="34" charset="0"/>
-                <a:ea typeface="Calibri" panose="020F0502020204030204" pitchFamily="34" charset="0"/>
-                <a:cs typeface="Segoe UI Semilight" panose="020B0402040204020203" pitchFamily="34" charset="0"/>
-              </a:rPr>
-              <a:t> </a:t>
-            </a:r>
-            <a:r>
-              <a:rPr lang="en-US" sz="1800" dirty="0" err="1">
-                <a:effectLst/>
-                <a:latin typeface="Segoe UI Semilight" panose="020B0402040204020203" pitchFamily="34" charset="0"/>
-                <a:ea typeface="Calibri" panose="020F0502020204030204" pitchFamily="34" charset="0"/>
-                <a:cs typeface="Segoe UI Semilight" panose="020B0402040204020203" pitchFamily="34" charset="0"/>
-              </a:rPr>
-              <a:t>paket</a:t>
-            </a:r>
-            <a:r>
-              <a:rPr lang="en-US" sz="1800" dirty="0">
-                <a:effectLst/>
-                <a:latin typeface="Segoe UI Semilight" panose="020B0402040204020203" pitchFamily="34" charset="0"/>
-                <a:ea typeface="Calibri" panose="020F0502020204030204" pitchFamily="34" charset="0"/>
-                <a:cs typeface="Segoe UI Semilight" panose="020B0402040204020203" pitchFamily="34" charset="0"/>
-              </a:rPr>
-              <a:t> </a:t>
-            </a:r>
-            <a:r>
-              <a:rPr lang="en-US" sz="1800" dirty="0" err="1">
-                <a:effectLst/>
-                <a:latin typeface="Segoe UI Semilight" panose="020B0402040204020203" pitchFamily="34" charset="0"/>
-                <a:ea typeface="Calibri" panose="020F0502020204030204" pitchFamily="34" charset="0"/>
-                <a:cs typeface="Segoe UI Semilight" panose="020B0402040204020203" pitchFamily="34" charset="0"/>
-              </a:rPr>
-              <a:t>perangkat</a:t>
-            </a:r>
-            <a:r>
-              <a:rPr lang="en-US" sz="1800" dirty="0">
-                <a:effectLst/>
-                <a:latin typeface="Segoe UI Semilight" panose="020B0402040204020203" pitchFamily="34" charset="0"/>
-                <a:ea typeface="Calibri" panose="020F0502020204030204" pitchFamily="34" charset="0"/>
-                <a:cs typeface="Segoe UI Semilight" panose="020B0402040204020203" pitchFamily="34" charset="0"/>
-              </a:rPr>
-              <a:t> </a:t>
-            </a:r>
-            <a:r>
-              <a:rPr lang="en-US" sz="1800" dirty="0" err="1">
-                <a:effectLst/>
-                <a:latin typeface="Segoe UI Semilight" panose="020B0402040204020203" pitchFamily="34" charset="0"/>
-                <a:ea typeface="Calibri" panose="020F0502020204030204" pitchFamily="34" charset="0"/>
-                <a:cs typeface="Segoe UI Semilight" panose="020B0402040204020203" pitchFamily="34" charset="0"/>
-              </a:rPr>
-              <a:t>lunak</a:t>
-            </a:r>
-            <a:r>
-              <a:rPr lang="en-US" sz="1800" dirty="0">
-                <a:effectLst/>
-                <a:latin typeface="Segoe UI Semilight" panose="020B0402040204020203" pitchFamily="34" charset="0"/>
-                <a:ea typeface="Calibri" panose="020F0502020204030204" pitchFamily="34" charset="0"/>
-                <a:cs typeface="Segoe UI Semilight" panose="020B0402040204020203" pitchFamily="34" charset="0"/>
-              </a:rPr>
-              <a:t> </a:t>
-            </a:r>
-            <a:r>
-              <a:rPr lang="en-US" sz="1800" dirty="0" err="1">
-                <a:effectLst/>
-                <a:latin typeface="Segoe UI Semilight" panose="020B0402040204020203" pitchFamily="34" charset="0"/>
-                <a:ea typeface="Calibri" panose="020F0502020204030204" pitchFamily="34" charset="0"/>
-                <a:cs typeface="Segoe UI Semilight" panose="020B0402040204020203" pitchFamily="34" charset="0"/>
-              </a:rPr>
-              <a:t>komersil</a:t>
-            </a:r>
-            <a:r>
-              <a:rPr lang="en-US" sz="1800" dirty="0">
-                <a:effectLst/>
-                <a:latin typeface="Segoe UI Semilight" panose="020B0402040204020203" pitchFamily="34" charset="0"/>
-                <a:ea typeface="Calibri" panose="020F0502020204030204" pitchFamily="34" charset="0"/>
-                <a:cs typeface="Segoe UI Semilight" panose="020B0402040204020203" pitchFamily="34" charset="0"/>
-              </a:rPr>
-              <a:t> </a:t>
-            </a:r>
-            <a:r>
-              <a:rPr lang="en-US" sz="1800" dirty="0" err="1">
-                <a:effectLst/>
-                <a:latin typeface="Segoe UI Semilight" panose="020B0402040204020203" pitchFamily="34" charset="0"/>
-                <a:ea typeface="Calibri" panose="020F0502020204030204" pitchFamily="34" charset="0"/>
-                <a:cs typeface="Segoe UI Semilight" panose="020B0402040204020203" pitchFamily="34" charset="0"/>
-              </a:rPr>
-              <a:t>untuk</a:t>
-            </a:r>
-            <a:r>
-              <a:rPr lang="en-US" sz="1800" dirty="0">
-                <a:effectLst/>
-                <a:latin typeface="Segoe UI Semilight" panose="020B0402040204020203" pitchFamily="34" charset="0"/>
-                <a:ea typeface="Calibri" panose="020F0502020204030204" pitchFamily="34" charset="0"/>
-                <a:cs typeface="Segoe UI Semilight" panose="020B0402040204020203" pitchFamily="34" charset="0"/>
-              </a:rPr>
-              <a:t> </a:t>
-            </a:r>
-            <a:r>
-              <a:rPr lang="en-US" sz="1800" dirty="0" err="1">
-                <a:effectLst/>
-                <a:latin typeface="Segoe UI Semilight" panose="020B0402040204020203" pitchFamily="34" charset="0"/>
-                <a:ea typeface="Calibri" panose="020F0502020204030204" pitchFamily="34" charset="0"/>
-                <a:cs typeface="Segoe UI Semilight" panose="020B0402040204020203" pitchFamily="34" charset="0"/>
-              </a:rPr>
-              <a:t>melakukan</a:t>
-            </a:r>
-            <a:r>
-              <a:rPr lang="en-US" sz="1800" dirty="0">
-                <a:effectLst/>
-                <a:latin typeface="Segoe UI Semilight" panose="020B0402040204020203" pitchFamily="34" charset="0"/>
-                <a:ea typeface="Calibri" panose="020F0502020204030204" pitchFamily="34" charset="0"/>
-                <a:cs typeface="Segoe UI Semilight" panose="020B0402040204020203" pitchFamily="34" charset="0"/>
-              </a:rPr>
-              <a:t> </a:t>
-            </a:r>
-            <a:r>
-              <a:rPr lang="en-US" sz="1800" dirty="0" err="1">
-                <a:effectLst/>
-                <a:latin typeface="Segoe UI Semilight" panose="020B0402040204020203" pitchFamily="34" charset="0"/>
-                <a:ea typeface="Calibri" panose="020F0502020204030204" pitchFamily="34" charset="0"/>
-                <a:cs typeface="Segoe UI Semilight" panose="020B0402040204020203" pitchFamily="34" charset="0"/>
-              </a:rPr>
-              <a:t>deteksi</a:t>
-            </a:r>
-            <a:r>
-              <a:rPr lang="en-US" sz="1800" dirty="0">
-                <a:effectLst/>
-                <a:latin typeface="Segoe UI Semilight" panose="020B0402040204020203" pitchFamily="34" charset="0"/>
-                <a:ea typeface="Calibri" panose="020F0502020204030204" pitchFamily="34" charset="0"/>
-                <a:cs typeface="Segoe UI Semilight" panose="020B0402040204020203" pitchFamily="34" charset="0"/>
-              </a:rPr>
-              <a:t> </a:t>
-            </a:r>
-            <a:r>
-              <a:rPr lang="en-US" sz="1800" dirty="0" err="1">
-                <a:effectLst/>
-                <a:latin typeface="Segoe UI Semilight" panose="020B0402040204020203" pitchFamily="34" charset="0"/>
-                <a:ea typeface="Calibri" panose="020F0502020204030204" pitchFamily="34" charset="0"/>
-                <a:cs typeface="Segoe UI Semilight" panose="020B0402040204020203" pitchFamily="34" charset="0"/>
-              </a:rPr>
-              <a:t>kesalahan</a:t>
-            </a:r>
-            <a:r>
-              <a:rPr lang="en-US" sz="1800" i="1" dirty="0">
-                <a:effectLst/>
-                <a:latin typeface="Segoe UI Semilight" panose="020B0402040204020203" pitchFamily="34" charset="0"/>
-                <a:ea typeface="Calibri" panose="020F0502020204030204" pitchFamily="34" charset="0"/>
-                <a:cs typeface="Segoe UI Semilight" panose="020B0402040204020203" pitchFamily="34" charset="0"/>
-              </a:rPr>
-              <a:t> </a:t>
-            </a:r>
-            <a:r>
-              <a:rPr lang="en-US" sz="1800" dirty="0">
-                <a:effectLst/>
-                <a:latin typeface="Segoe UI Semilight" panose="020B0402040204020203" pitchFamily="34" charset="0"/>
-                <a:ea typeface="Calibri" panose="020F0502020204030204" pitchFamily="34" charset="0"/>
-                <a:cs typeface="Segoe UI Semilight" panose="020B0402040204020203" pitchFamily="34" charset="0"/>
-              </a:rPr>
-              <a:t>dan </a:t>
-            </a:r>
-            <a:r>
-              <a:rPr lang="en-US" sz="1800" dirty="0" err="1">
-                <a:effectLst/>
-                <a:latin typeface="Segoe UI Semilight" panose="020B0402040204020203" pitchFamily="34" charset="0"/>
-                <a:ea typeface="Calibri" panose="020F0502020204030204" pitchFamily="34" charset="0"/>
-                <a:cs typeface="Segoe UI Semilight" panose="020B0402040204020203" pitchFamily="34" charset="0"/>
-              </a:rPr>
-              <a:t>rekonstruksi</a:t>
-            </a:r>
-            <a:r>
-              <a:rPr lang="en-US" sz="1800" dirty="0">
-                <a:effectLst/>
-                <a:latin typeface="Segoe UI Semilight" panose="020B0402040204020203" pitchFamily="34" charset="0"/>
-                <a:ea typeface="Calibri" panose="020F0502020204030204" pitchFamily="34" charset="0"/>
-                <a:cs typeface="Segoe UI Semilight" panose="020B0402040204020203" pitchFamily="34" charset="0"/>
-              </a:rPr>
-              <a:t> data pada </a:t>
-            </a:r>
-            <a:r>
-              <a:rPr lang="en-US" sz="1800" dirty="0" err="1">
-                <a:effectLst/>
-                <a:latin typeface="Segoe UI Semilight" panose="020B0402040204020203" pitchFamily="34" charset="0"/>
-                <a:ea typeface="Calibri" panose="020F0502020204030204" pitchFamily="34" charset="0"/>
-                <a:cs typeface="Segoe UI Semilight" panose="020B0402040204020203" pitchFamily="34" charset="0"/>
-              </a:rPr>
-              <a:t>sebuah</a:t>
-            </a:r>
-            <a:r>
-              <a:rPr lang="en-US" sz="1800" dirty="0">
-                <a:effectLst/>
-                <a:latin typeface="Segoe UI Semilight" panose="020B0402040204020203" pitchFamily="34" charset="0"/>
-                <a:ea typeface="Calibri" panose="020F0502020204030204" pitchFamily="34" charset="0"/>
-                <a:cs typeface="Segoe UI Semilight" panose="020B0402040204020203" pitchFamily="34" charset="0"/>
-              </a:rPr>
-              <a:t> </a:t>
-            </a:r>
-            <a:r>
-              <a:rPr lang="en-US" sz="1800" dirty="0" err="1">
-                <a:effectLst/>
-                <a:latin typeface="Segoe UI Semilight" panose="020B0402040204020203" pitchFamily="34" charset="0"/>
-                <a:ea typeface="Calibri" panose="020F0502020204030204" pitchFamily="34" charset="0"/>
-                <a:cs typeface="Segoe UI Semilight" panose="020B0402040204020203" pitchFamily="34" charset="0"/>
-              </a:rPr>
-              <a:t>kumpulan</a:t>
-            </a:r>
-            <a:r>
-              <a:rPr lang="en-US" sz="1800" dirty="0">
-                <a:effectLst/>
-                <a:latin typeface="Segoe UI Semilight" panose="020B0402040204020203" pitchFamily="34" charset="0"/>
-                <a:ea typeface="Calibri" panose="020F0502020204030204" pitchFamily="34" charset="0"/>
-                <a:cs typeface="Segoe UI Semilight" panose="020B0402040204020203" pitchFamily="34" charset="0"/>
-              </a:rPr>
-              <a:t> data sensor </a:t>
-            </a:r>
-            <a:r>
-              <a:rPr lang="en-US" sz="1800" dirty="0" err="1">
-                <a:effectLst/>
-                <a:latin typeface="Segoe UI Semilight" panose="020B0402040204020203" pitchFamily="34" charset="0"/>
-                <a:ea typeface="Calibri" panose="020F0502020204030204" pitchFamily="34" charset="0"/>
-                <a:cs typeface="Segoe UI Semilight" panose="020B0402040204020203" pitchFamily="34" charset="0"/>
-              </a:rPr>
-              <a:t>pabrik</a:t>
+              <a:t> oleh Brooks pada </a:t>
+            </a:r>
+            <a:r>
+              <a:rPr lang="en-US" dirty="0" err="1">
+                <a:latin typeface="Segoe UI Semilight" panose="020B0402040204020203" pitchFamily="34" charset="0"/>
+                <a:ea typeface="Calibri" panose="020F0502020204030204" pitchFamily="34" charset="0"/>
+                <a:cs typeface="Segoe UI Semilight" panose="020B0402040204020203" pitchFamily="34" charset="0"/>
+              </a:rPr>
+              <a:t>penelitiannya</a:t>
             </a:r>
             <a:r>
               <a:rPr lang="en-US" sz="1800" dirty="0">
@@ -17357,8 +17089,8 @@
         </p:nvGrpSpPr>
         <p:grpSpPr>
           <a:xfrm>
-            <a:off x="159408" y="1505743"/>
-            <a:ext cx="6995279" cy="4144582"/>
+            <a:off x="252172" y="1366701"/>
+            <a:ext cx="6546193" cy="3854655"/>
             <a:chOff x="159408" y="1505743"/>
             <a:chExt cx="6995279" cy="4144582"/>
           </a:xfrm>
@@ -17524,6 +17256,52 @@
           </p:txBody>
         </p:sp>
       </p:grpSp>
+      <p:sp>
+        <p:nvSpPr>
+          <p:cNvPr id="9" name="TextBox 8">
+            <a:extLst>
+              <a:ext uri="{FF2B5EF4-FFF2-40B4-BE49-F238E27FC236}">
+                <a16:creationId xmlns:a16="http://schemas.microsoft.com/office/drawing/2014/main" id="{53022631-4E9C-4C3A-8B97-687CD9950F48}"/>
+              </a:ext>
+            </a:extLst>
+          </p:cNvPr>
+          <p:cNvSpPr txBox="1"/>
+          <p:nvPr/>
+        </p:nvSpPr>
+        <p:spPr>
+          <a:xfrm>
+            <a:off x="4074352" y="365126"/>
+            <a:ext cx="2361342" cy="369332"/>
+          </a:xfrm>
+          <a:prstGeom prst="rect">
+            <a:avLst/>
+          </a:prstGeom>
+          <a:noFill/>
+          <a:ln w="19050">
+            <a:noFill/>
+            <a:prstDash val="dash"/>
+          </a:ln>
+        </p:spPr>
+        <p:txBody>
+          <a:bodyPr wrap="square">
+            <a:spAutoFit/>
+          </a:bodyPr>
+          <a:lstStyle/>
+          <a:p>
+            <a:pPr algn="ctr"/>
+            <a:r>
+              <a:rPr lang="en-US" dirty="0">
+                <a:solidFill>
+                  <a:srgbClr val="014D71"/>
+                </a:solidFill>
+                <a:latin typeface="Segoe UI Semilight" panose="020B0402040204020203" pitchFamily="34" charset="0"/>
+                <a:cs typeface="Segoe UI Semilight" panose="020B0402040204020203" pitchFamily="34" charset="0"/>
+              </a:rPr>
+              <a:t>https://sacac.org.za/</a:t>
+            </a:r>
+          </a:p>
+        </p:txBody>
+      </p:sp>
     </p:spTree>
     <p:extLst>
       <p:ext uri="{BB962C8B-B14F-4D97-AF65-F5344CB8AC3E}">
@@ -21891,7 +21669,7 @@
         <p:spPr>
           <a:xfrm>
             <a:off x="838200" y="977900"/>
-            <a:ext cx="10731500" cy="2585323"/>
+            <a:ext cx="10731500" cy="2308324"/>
           </a:xfrm>
           <a:prstGeom prst="rect">
             <a:avLst/>
@@ -21925,6 +21703,27 @@
               <a:t> </a:t>
             </a:r>
             <a:r>
+              <a:rPr lang="en-GB" dirty="0">
+                <a:latin typeface="Times New Roman" panose="02020603050405020304" pitchFamily="18" charset="0"/>
+                <a:ea typeface="Calibri" panose="020F0502020204030204" pitchFamily="34" charset="0"/>
+              </a:rPr>
+              <a:t>proses (</a:t>
+            </a:r>
+            <a:r>
+              <a:rPr lang="en-GB" i="1" dirty="0">
+                <a:latin typeface="Times New Roman" panose="02020603050405020304" pitchFamily="18" charset="0"/>
+                <a:ea typeface="Calibri" panose="020F0502020204030204" pitchFamily="34" charset="0"/>
+              </a:rPr>
+              <a:t>fault</a:t>
+            </a:r>
+            <a:r>
+              <a:rPr lang="en-GB" dirty="0">
+                <a:latin typeface="Times New Roman" panose="02020603050405020304" pitchFamily="18" charset="0"/>
+                <a:ea typeface="Calibri" panose="020F0502020204030204" pitchFamily="34" charset="0"/>
+              </a:rPr>
+              <a:t>) </a:t>
+            </a:r>
+            <a:r>
               <a:rPr lang="en-GB" sz="1800" dirty="0" err="1">
                 <a:effectLst/>
                 <a:latin typeface="Times New Roman" panose="02020603050405020304" pitchFamily="18" charset="0"/>
@@ -22106,7 +21905,7 @@
                 <a:latin typeface="Times New Roman" panose="02020603050405020304" pitchFamily="18" charset="0"/>
                 <a:ea typeface="Calibri" panose="020F0502020204030204" pitchFamily="34" charset="0"/>
               </a:rPr>
-              <a:t>eksrim</a:t>
+              <a:t>ekstrim</a:t>
             </a:r>
             <a:r>
               <a:rPr lang="en-GB" sz="1800" dirty="0">
@@ -22402,7 +22201,7 @@
                 <a:latin typeface="Times New Roman" panose="02020603050405020304" pitchFamily="18" charset="0"/>
                 <a:ea typeface="Calibri" panose="020F0502020204030204" pitchFamily="34" charset="0"/>
               </a:rPr>
-              <a:t> operator [Data Driven Fault Detection Process Using Correlation Based Clustering, Study on SVM]</a:t>
+              <a:t> operator [2, 3]</a:t>
             </a:r>
           </a:p>
           <a:p>
@@ -31289,13 +31088,66 @@
               <a:buNone/>
             </a:pPr>
             <a:r>
+              <a:rPr lang="en-US" sz="1800" dirty="0">
+                <a:latin typeface="Segoe UI Semilight" panose="020B0402040204020203" pitchFamily="34" charset="0"/>
+                <a:ea typeface="Calibri" panose="020F0502020204030204" pitchFamily="34" charset="0"/>
+                <a:cs typeface="Segoe UI Semilight" panose="020B0402040204020203" pitchFamily="34" charset="0"/>
+              </a:rPr>
+              <a:t>S</a:t>
+            </a:r>
+            <a:r>
+              <a:rPr lang="en-US" sz="1800" dirty="0">
+                <a:effectLst/>
+                <a:latin typeface="Segoe UI Semilight" panose="020B0402040204020203" pitchFamily="34" charset="0"/>
+                <a:ea typeface="Calibri" panose="020F0502020204030204" pitchFamily="34" charset="0"/>
+                <a:cs typeface="Segoe UI Semilight" panose="020B0402040204020203" pitchFamily="34" charset="0"/>
+              </a:rPr>
+              <a:t>trategi </a:t>
+            </a:r>
+            <a:r>
+              <a:rPr lang="en-GB" sz="1800" dirty="0" err="1">
+                <a:effectLst/>
+                <a:latin typeface="Segoe UI Semilight" panose="020B0402040204020203" pitchFamily="34" charset="0"/>
+                <a:ea typeface="Calibri" panose="020F0502020204030204" pitchFamily="34" charset="0"/>
+                <a:cs typeface="Segoe UI Semilight" panose="020B0402040204020203" pitchFamily="34" charset="0"/>
+              </a:rPr>
+              <a:t>deteksi</a:t>
+            </a:r>
+            <a:r>
+              <a:rPr lang="en-GB" sz="1800" dirty="0">
+                <a:effectLst/>
+                <a:latin typeface="Segoe UI Semilight" panose="020B0402040204020203" pitchFamily="34" charset="0"/>
+                <a:ea typeface="Calibri" panose="020F0502020204030204" pitchFamily="34" charset="0"/>
+                <a:cs typeface="Segoe UI Semilight" panose="020B0402040204020203" pitchFamily="34" charset="0"/>
+              </a:rPr>
+              <a:t> </a:t>
+            </a:r>
+            <a:r>
+              <a:rPr lang="en-GB" sz="1800" dirty="0" err="1">
+                <a:effectLst/>
+                <a:latin typeface="Segoe UI Semilight" panose="020B0402040204020203" pitchFamily="34" charset="0"/>
+                <a:ea typeface="Calibri" panose="020F0502020204030204" pitchFamily="34" charset="0"/>
+                <a:cs typeface="Segoe UI Semilight" panose="020B0402040204020203" pitchFamily="34" charset="0"/>
+              </a:rPr>
+              <a:t>kesalahan</a:t>
+            </a:r>
+            <a:r>
+              <a:rPr lang="en-GB" sz="1800" dirty="0">
+                <a:effectLst/>
+                <a:latin typeface="Segoe UI Semilight" panose="020B0402040204020203" pitchFamily="34" charset="0"/>
+                <a:ea typeface="Calibri" panose="020F0502020204030204" pitchFamily="34" charset="0"/>
+                <a:cs typeface="Segoe UI Semilight" panose="020B0402040204020203" pitchFamily="34" charset="0"/>
+              </a:rPr>
+              <a:t> </a:t>
+            </a:r>
+            <a:r>
               <a:rPr lang="en-US" sz="1800" dirty="0" err="1">
                 <a:effectLst/>
                 <a:latin typeface="Segoe UI Semilight" panose="020B0402040204020203" pitchFamily="34" charset="0"/>
                 <a:ea typeface="Calibri" panose="020F0502020204030204" pitchFamily="34" charset="0"/>
                 <a:cs typeface="Segoe UI Semilight" panose="020B0402040204020203" pitchFamily="34" charset="0"/>
               </a:rPr>
-              <a:t>Kekurangan</a:t>
+              <a:t>dengan</a:t>
             </a:r>
             <a:r>
               <a:rPr lang="en-US" sz="1800" dirty="0">
@@ -31307,78 +31159,6 @@
               <a:t> </a:t>
             </a:r>
             <a:r>
-              <a:rPr lang="en-US" sz="1800" dirty="0" err="1">
-                <a:effectLst/>
-                <a:latin typeface="Segoe UI Semilight" panose="020B0402040204020203" pitchFamily="34" charset="0"/>
-                <a:ea typeface="Calibri" panose="020F0502020204030204" pitchFamily="34" charset="0"/>
-                <a:cs typeface="Segoe UI Semilight" panose="020B0402040204020203" pitchFamily="34" charset="0"/>
-              </a:rPr>
-              <a:t>dari</a:t>
-            </a:r>
-            <a:r>
-              <a:rPr lang="en-US" sz="1800" dirty="0">
-                <a:effectLst/>
-                <a:latin typeface="Segoe UI Semilight" panose="020B0402040204020203" pitchFamily="34" charset="0"/>
-                <a:ea typeface="Calibri" panose="020F0502020204030204" pitchFamily="34" charset="0"/>
-                <a:cs typeface="Segoe UI Semilight" panose="020B0402040204020203" pitchFamily="34" charset="0"/>
-              </a:rPr>
-              <a:t> strategi </a:t>
-            </a:r>
-            <a:r>
-              <a:rPr lang="en-GB" sz="1800" dirty="0" err="1">
-                <a:effectLst/>
-                <a:latin typeface="Segoe UI Semilight" panose="020B0402040204020203" pitchFamily="34" charset="0"/>
-                <a:ea typeface="Calibri" panose="020F0502020204030204" pitchFamily="34" charset="0"/>
-                <a:cs typeface="Segoe UI Semilight" panose="020B0402040204020203" pitchFamily="34" charset="0"/>
-              </a:rPr>
-              <a:t>deteksi</a:t>
-            </a:r>
-            <a:r>
-              <a:rPr lang="en-GB" sz="1800" dirty="0">
-                <a:effectLst/>
-                <a:latin typeface="Segoe UI Semilight" panose="020B0402040204020203" pitchFamily="34" charset="0"/>
-                <a:ea typeface="Calibri" panose="020F0502020204030204" pitchFamily="34" charset="0"/>
-                <a:cs typeface="Segoe UI Semilight" panose="020B0402040204020203" pitchFamily="34" charset="0"/>
-              </a:rPr>
-              <a:t> </a:t>
-            </a:r>
-            <a:r>
-              <a:rPr lang="en-GB" sz="1800" dirty="0" err="1">
-                <a:effectLst/>
-                <a:latin typeface="Segoe UI Semilight" panose="020B0402040204020203" pitchFamily="34" charset="0"/>
-                <a:ea typeface="Calibri" panose="020F0502020204030204" pitchFamily="34" charset="0"/>
-                <a:cs typeface="Segoe UI Semilight" panose="020B0402040204020203" pitchFamily="34" charset="0"/>
-              </a:rPr>
-              <a:t>kesalahan</a:t>
-            </a:r>
-            <a:r>
-              <a:rPr lang="en-GB" sz="1800" dirty="0">
-                <a:effectLst/>
-                <a:latin typeface="Segoe UI Semilight" panose="020B0402040204020203" pitchFamily="34" charset="0"/>
-                <a:ea typeface="Calibri" panose="020F0502020204030204" pitchFamily="34" charset="0"/>
-                <a:cs typeface="Segoe UI Semilight" panose="020B0402040204020203" pitchFamily="34" charset="0"/>
-              </a:rPr>
-              <a:t> </a:t>
-            </a:r>
-            <a:r>
-              <a:rPr lang="en-US" sz="1800" dirty="0" err="1">
-                <a:effectLst/>
-                <a:latin typeface="Segoe UI Semilight" panose="020B0402040204020203" pitchFamily="34" charset="0"/>
-                <a:ea typeface="Calibri" panose="020F0502020204030204" pitchFamily="34" charset="0"/>
-                <a:cs typeface="Segoe UI Semilight" panose="020B0402040204020203" pitchFamily="34" charset="0"/>
-              </a:rPr>
-              <a:t>dengan</a:t>
-            </a:r>
-            <a:r>
-              <a:rPr lang="en-US" sz="1800" dirty="0">
-                <a:effectLst/>
-                <a:latin typeface="Segoe UI Semilight" panose="020B0402040204020203" pitchFamily="34" charset="0"/>
-                <a:ea typeface="Calibri" panose="020F0502020204030204" pitchFamily="34" charset="0"/>
-                <a:cs typeface="Segoe UI Semilight" panose="020B0402040204020203" pitchFamily="34" charset="0"/>
-              </a:rPr>
-              <a:t> </a:t>
-            </a:r>
-            <a:r>
               <a:rPr lang="en-US" sz="1800" i="1" dirty="0">
                 <a:effectLst/>
                 <a:latin typeface="Segoe UI Semilight" panose="020B0402040204020203" pitchFamily="34" charset="0"/>
@@ -31386,42 +31166,6 @@
                 <a:cs typeface="Segoe UI Semilight" panose="020B0402040204020203" pitchFamily="34" charset="0"/>
               </a:rPr>
               <a:t>supervised learning</a:t>
-            </a:r>
-            <a:r>
-              <a:rPr lang="en-US" sz="1800" dirty="0">
-                <a:effectLst/>
-                <a:latin typeface="Segoe UI Semilight" panose="020B0402040204020203" pitchFamily="34" charset="0"/>
-                <a:ea typeface="Calibri" panose="020F0502020204030204" pitchFamily="34" charset="0"/>
-                <a:cs typeface="Segoe UI Semilight" panose="020B0402040204020203" pitchFamily="34" charset="0"/>
-              </a:rPr>
-              <a:t> </a:t>
-            </a:r>
-            <a:r>
-              <a:rPr lang="en-US" sz="1800" dirty="0" err="1">
-                <a:effectLst/>
-                <a:latin typeface="Segoe UI Semilight" panose="020B0402040204020203" pitchFamily="34" charset="0"/>
-                <a:ea typeface="Calibri" panose="020F0502020204030204" pitchFamily="34" charset="0"/>
-                <a:cs typeface="Segoe UI Semilight" panose="020B0402040204020203" pitchFamily="34" charset="0"/>
-              </a:rPr>
-              <a:t>adalah</a:t>
-            </a:r>
-            <a:r>
-              <a:rPr lang="en-US" sz="1800" dirty="0">
-                <a:effectLst/>
-                <a:latin typeface="Segoe UI Semilight" panose="020B0402040204020203" pitchFamily="34" charset="0"/>
-                <a:ea typeface="Calibri" panose="020F0502020204030204" pitchFamily="34" charset="0"/>
-                <a:cs typeface="Segoe UI Semilight" panose="020B0402040204020203" pitchFamily="34" charset="0"/>
-              </a:rPr>
-              <a:t> strategi </a:t>
-            </a:r>
-            <a:r>
-              <a:rPr lang="en-US" sz="1800" dirty="0" err="1">
-                <a:effectLst/>
-                <a:latin typeface="Segoe UI Semilight" panose="020B0402040204020203" pitchFamily="34" charset="0"/>
-                <a:ea typeface="Calibri" panose="020F0502020204030204" pitchFamily="34" charset="0"/>
-                <a:cs typeface="Segoe UI Semilight" panose="020B0402040204020203" pitchFamily="34" charset="0"/>
-              </a:rPr>
-              <a:t>tersebut</a:t>
             </a:r>
             <a:r>
               <a:rPr lang="en-US" sz="1800" dirty="0">
@@ -35659,7 +35403,7 @@
                 <a:ea typeface="Calibri" panose="020F0502020204030204" pitchFamily="34" charset="0"/>
                 <a:cs typeface="Segoe UI Semilight" panose="020B0402040204020203" pitchFamily="34" charset="0"/>
               </a:rPr>
-              <a:t>akan mempelajari kumpulan data dengan label yang telah disediakan untuk membentuk sebuah model yang dapat mengklasifikasikan tiap sampel kedalam label yang sesuai [4].</a:t>
+              <a:t>akan mempelajari kumpulan data dengan label yang telah disediakan untuk membentuk sebuah model yang dapat mengklasifikasikan tiap sampel ke dalam label yang sesuai [4].</a:t>
             </a:r>
           </a:p>
           <a:p>
@@ -35816,7 +35560,7 @@
                 <a:ea typeface="Calibri" panose="020F0502020204030204" pitchFamily="34" charset="0"/>
                 <a:cs typeface="Segoe UI Semilight" panose="020B0402040204020203" pitchFamily="34" charset="0"/>
               </a:rPr>
-              <a:t>dapat digunakan pada kumpulan data dengan jumlah sampel yang kecil dan dengan kelas yang tidak lengkap untuk dapat memeberikan label dari data baru [4].</a:t>
+              <a:t>dapat digunakan pada kumpulan data dengan jumlah sampel yang kecil dan dengan kelas yang tidak lengkap untuk dapat memberikan label dari data baru [4].</a:t>
             </a:r>
           </a:p>
         </p:txBody>
@@ -36656,8 +36400,8 @@
         </p:nvSpPr>
         <p:spPr>
           <a:xfrm>
-            <a:off x="5727700" y="920060"/>
-            <a:ext cx="5892062" cy="646331"/>
+            <a:off x="5739081" y="920060"/>
+            <a:ext cx="5869300" cy="646331"/>
           </a:xfrm>
           <a:prstGeom prst="rect">
             <a:avLst/>
@@ -36719,7 +36463,7 @@
                 <a:latin typeface="Segoe UI Semilight" panose="020B0402040204020203" pitchFamily="34" charset="0"/>
                 <a:cs typeface="Segoe UI Semilight" panose="020B0402040204020203" pitchFamily="34" charset="0"/>
               </a:rPr>
-              <a:t> oleh [11] </a:t>
+              <a:t> pada [11] </a:t>
             </a:r>
             <a:r>
               <a:rPr lang="en-ID" dirty="0" err="1">
@@ -40983,7 +40727,24 @@
                 <a:ea typeface="Calibri" panose="020F0502020204030204" pitchFamily="34" charset="0"/>
                 <a:cs typeface="Segoe UI Semilight" panose="020B0402040204020203" pitchFamily="34" charset="0"/>
               </a:rPr>
-              <a:t>Dapat melakukan penggolongan dengan bentuk yang acak</a:t>
+              <a:t>Dapat melakukan </a:t>
+            </a:r>
+            <a:r>
+              <a:rPr lang="de-DE" sz="1800" dirty="0">
+                <a:latin typeface="Segoe UI Semilight" panose="020B0402040204020203" pitchFamily="34" charset="0"/>
+                <a:ea typeface="Calibri" panose="020F0502020204030204" pitchFamily="34" charset="0"/>
+                <a:cs typeface="Segoe UI Semilight" panose="020B0402040204020203" pitchFamily="34" charset="0"/>
+              </a:rPr>
+              <a:t>pengelompokan</a:t>
+            </a:r>
+            <a:r>
+              <a:rPr lang="de-DE" sz="1800" dirty="0">
+                <a:effectLst/>
+                <a:latin typeface="Segoe UI Semilight" panose="020B0402040204020203" pitchFamily="34" charset="0"/>
+                <a:ea typeface="Calibri" panose="020F0502020204030204" pitchFamily="34" charset="0"/>
+                <a:cs typeface="Segoe UI Semilight" panose="020B0402040204020203" pitchFamily="34" charset="0"/>
+              </a:rPr>
+              <a:t> dengan bentuk yang acak</a:t>
             </a:r>
           </a:p>
           <a:p>
